--- a/defesa.pptx
+++ b/defesa.pptx
@@ -260,7 +260,7 @@
           <a:p>
             <a:fld id="{822ED241-AB6A-914A-9AA6-B4B387B824C2}" type="datetimeFigureOut">
               <a:rPr lang="en-US" smtClean="0"/>
-              <a:t>4/22/12</a:t>
+              <a:t>4/23/12</a:t>
             </a:fld>
             <a:endParaRPr lang="en-US"/>
           </a:p>
@@ -426,7 +426,7 @@
           <a:p>
             <a:fld id="{C2C471AC-D323-3A49-804D-E8D1E099B3F5}" type="datetimeFigureOut">
               <a:rPr lang="en-US" smtClean="0"/>
-              <a:t>4/22/12</a:t>
+              <a:t>4/23/12</a:t>
             </a:fld>
             <a:endParaRPr lang="en-US"/>
           </a:p>
@@ -1066,7 +1066,7 @@
           <a:p>
             <a:fld id="{F8FC0DF8-DBB8-DD4C-8F88-C0A514AD49A2}" type="datetime1">
               <a:rPr lang="en-US" smtClean="0"/>
-              <a:t>4/22/12</a:t>
+              <a:t>4/23/12</a:t>
             </a:fld>
             <a:endParaRPr lang="en-US"/>
           </a:p>
@@ -1495,7 +1495,7 @@
           <a:p>
             <a:fld id="{9C6DFEF5-CC1A-914F-8B69-45C24F273E43}" type="datetime1">
               <a:rPr lang="en-US" smtClean="0"/>
-              <a:t>4/22/12</a:t>
+              <a:t>4/23/12</a:t>
             </a:fld>
             <a:endParaRPr lang="en-US"/>
           </a:p>
@@ -1700,7 +1700,7 @@
           <a:p>
             <a:fld id="{1B3667A8-2292-A34F-81BA-9FD1F80D3AAD}" type="datetime1">
               <a:rPr lang="en-US" smtClean="0"/>
-              <a:t>4/22/12</a:t>
+              <a:t>4/23/12</a:t>
             </a:fld>
             <a:endParaRPr lang="en-US"/>
           </a:p>
@@ -1971,7 +1971,7 @@
           <a:p>
             <a:fld id="{6AACDBF3-A820-B04C-B1A1-74A68ABB4B0D}" type="datetime1">
               <a:rPr lang="en-US" smtClean="0"/>
-              <a:t>4/22/12</a:t>
+              <a:t>4/23/12</a:t>
             </a:fld>
             <a:endParaRPr lang="en-US"/>
           </a:p>
@@ -2252,7 +2252,7 @@
           <a:p>
             <a:fld id="{89705130-485E-264C-A228-3374E3308AB9}" type="datetime1">
               <a:rPr lang="en-US" smtClean="0"/>
-              <a:t>4/22/12</a:t>
+              <a:t>4/23/12</a:t>
             </a:fld>
             <a:endParaRPr lang="en-US"/>
           </a:p>
@@ -2487,7 +2487,7 @@
           <a:p>
             <a:fld id="{A1E47538-4062-ED48-85B9-475947423349}" type="datetime1">
               <a:rPr lang="en-US" smtClean="0"/>
-              <a:t>4/22/12</a:t>
+              <a:t>4/23/12</a:t>
             </a:fld>
             <a:endParaRPr lang="en-US"/>
           </a:p>
@@ -2768,7 +2768,7 @@
           <a:p>
             <a:fld id="{F8AB4E3B-2837-D74B-A183-D69710ECEB2E}" type="datetime1">
               <a:rPr lang="en-US" smtClean="0"/>
-              <a:t>4/22/12</a:t>
+              <a:t>4/23/12</a:t>
             </a:fld>
             <a:endParaRPr lang="en-US"/>
           </a:p>
@@ -3195,7 +3195,7 @@
           <a:p>
             <a:fld id="{68AF05FD-1CE8-BC4A-8548-EFE92C53D128}" type="datetime1">
               <a:rPr lang="en-US" smtClean="0"/>
-              <a:t>4/22/12</a:t>
+              <a:t>4/23/12</a:t>
             </a:fld>
             <a:endParaRPr lang="en-US"/>
           </a:p>
@@ -3718,7 +3718,7 @@
           <a:p>
             <a:fld id="{CA683A9D-6500-D542-959C-3A2A2C379F2F}" type="datetime1">
               <a:rPr lang="en-US" smtClean="0"/>
-              <a:t>4/22/12</a:t>
+              <a:t>4/23/12</a:t>
             </a:fld>
             <a:endParaRPr lang="en-US"/>
           </a:p>
@@ -4080,7 +4080,7 @@
           <a:p>
             <a:fld id="{5EBDB2EE-78BB-9441-9CC4-7AFCE888688B}" type="datetime1">
               <a:rPr lang="en-US" smtClean="0"/>
-              <a:t>4/22/12</a:t>
+              <a:t>4/23/12</a:t>
             </a:fld>
             <a:endParaRPr lang="en-US"/>
           </a:p>
@@ -4636,7 +4636,7 @@
           <a:p>
             <a:fld id="{C8442A30-EC6C-E444-8144-F500E23412A5}" type="datetime1">
               <a:rPr lang="en-US" smtClean="0"/>
-              <a:t>4/22/12</a:t>
+              <a:t>4/23/12</a:t>
             </a:fld>
             <a:endParaRPr lang="en-US"/>
           </a:p>
@@ -4861,7 +4861,7 @@
           <a:p>
             <a:fld id="{ABAC358B-127A-7448-ADAA-830A3CC7A91D}" type="datetime1">
               <a:rPr lang="en-US" smtClean="0"/>
-              <a:t>4/22/12</a:t>
+              <a:t>4/23/12</a:t>
             </a:fld>
             <a:endParaRPr lang="en-US"/>
           </a:p>
@@ -5007,7 +5007,7 @@
           <a:p>
             <a:fld id="{7891DBED-8DDD-BD42-B6B0-0BACCEE9A90C}" type="datetime1">
               <a:rPr lang="en-US" smtClean="0"/>
-              <a:t>4/22/12</a:t>
+              <a:t>4/23/12</a:t>
             </a:fld>
             <a:endParaRPr lang="en-US"/>
           </a:p>
@@ -5472,7 +5472,7 @@
           <a:p>
             <a:fld id="{770A9DE4-6F26-C74D-B5F6-8BA35D6144CC}" type="datetime1">
               <a:rPr lang="en-US" smtClean="0"/>
-              <a:t>4/22/12</a:t>
+              <a:t>4/23/12</a:t>
             </a:fld>
             <a:endParaRPr lang="en-US"/>
           </a:p>
@@ -5694,7 +5694,7 @@
           <a:p>
             <a:fld id="{B74FA2DF-FDED-6E4B-B91E-1C9002440313}" type="datetime1">
               <a:rPr lang="en-US" smtClean="0"/>
-              <a:t>4/22/12</a:t>
+              <a:t>4/23/12</a:t>
             </a:fld>
             <a:endParaRPr lang="en-US"/>
           </a:p>
@@ -6162,11 +6162,7 @@
             </a:r>
             <a:r>
               <a:rPr lang="en-US" sz="3600" dirty="0" err="1" smtClean="0"/>
-              <a:t>pr</a:t>
-            </a:r>
-            <a:r>
-              <a:rPr lang="en-US" sz="3600" dirty="0" err="1" smtClean="0"/>
-              <a:t>ática</a:t>
+              <a:t>prática</a:t>
             </a:r>
             <a:r>
               <a:rPr lang="en-US" sz="3600" dirty="0" smtClean="0"/>
@@ -6259,11 +6255,7 @@
             </a:r>
             <a:r>
               <a:rPr lang="en-US" dirty="0" err="1" smtClean="0"/>
-              <a:t>Aur</a:t>
-            </a:r>
-            <a:r>
-              <a:rPr lang="en-US" dirty="0" err="1" smtClean="0"/>
-              <a:t>élio</a:t>
+              <a:t>Aurélio</a:t>
             </a:r>
             <a:r>
               <a:rPr lang="en-US" dirty="0" smtClean="0"/>
@@ -6486,11 +6478,7 @@
           <a:p>
             <a:r>
               <a:rPr lang="en-US" dirty="0" err="1" smtClean="0"/>
-              <a:t>Discuss</a:t>
-            </a:r>
-            <a:r>
-              <a:rPr lang="en-US" dirty="0" err="1" smtClean="0"/>
-              <a:t>ão</a:t>
+              <a:t>Discussão</a:t>
             </a:r>
             <a:endParaRPr lang="en-US" dirty="0"/>
           </a:p>
@@ -6521,11 +6509,7 @@
             </a:r>
             <a:r>
               <a:rPr lang="en-US" dirty="0" err="1" smtClean="0"/>
-              <a:t>s</a:t>
-            </a:r>
-            <a:r>
-              <a:rPr lang="en-US" dirty="0" err="1" smtClean="0"/>
-              <a:t>ão</a:t>
+              <a:t>são</a:t>
             </a:r>
             <a:r>
               <a:rPr lang="en-US" dirty="0" smtClean="0"/>
@@ -6995,11 +6979,7 @@
           <a:p>
             <a:r>
               <a:rPr lang="en-US" dirty="0" err="1" smtClean="0"/>
-              <a:t>Posi</a:t>
-            </a:r>
-            <a:r>
-              <a:rPr lang="en-US" dirty="0" err="1" smtClean="0"/>
-              <a:t>ção</a:t>
+              <a:t>Posição</a:t>
             </a:r>
             <a:r>
               <a:rPr lang="en-US" dirty="0" smtClean="0"/>
@@ -7246,11 +7226,7 @@
             </a:r>
             <a:r>
               <a:rPr lang="en-US" dirty="0" err="1" smtClean="0"/>
-              <a:t>dif</a:t>
-            </a:r>
-            <a:r>
-              <a:rPr lang="en-US" dirty="0" err="1" smtClean="0"/>
-              <a:t>ícil</a:t>
+              <a:t>difícil</a:t>
             </a:r>
             <a:r>
               <a:rPr lang="en-US" dirty="0" smtClean="0"/>
@@ -7330,8 +7306,20 @@
               <a:t> </a:t>
             </a:r>
             <a:r>
-              <a:rPr lang="en-US" dirty="0" err="1" smtClean="0"/>
-              <a:t>atacado</a:t>
+              <a:rPr lang="en-US" dirty="0" smtClean="0"/>
+              <a:t>a </a:t>
+            </a:r>
+            <a:r>
+              <a:rPr lang="en-US" dirty="0" err="1" smtClean="0"/>
+              <a:t>ser</a:t>
+            </a:r>
+            <a:r>
+              <a:rPr lang="en-US" dirty="0" smtClean="0"/>
+              <a:t> </a:t>
+            </a:r>
+            <a:r>
+              <a:rPr lang="en-US" dirty="0" err="1" smtClean="0"/>
+              <a:t>estudado</a:t>
             </a:r>
             <a:r>
               <a:rPr lang="en-US" dirty="0" smtClean="0"/>
@@ -7351,11 +7339,19 @@
             </a:r>
             <a:r>
               <a:rPr lang="en-US" dirty="0" smtClean="0"/>
-              <a:t> um </a:t>
-            </a:r>
-            <a:r>
-              <a:rPr lang="en-US" dirty="0" err="1" smtClean="0"/>
-              <a:t>estudo</a:t>
+              <a:t> </a:t>
+            </a:r>
+            <a:r>
+              <a:rPr lang="en-US" dirty="0" err="1" smtClean="0"/>
+              <a:t>uma</a:t>
+            </a:r>
+            <a:r>
+              <a:rPr lang="en-US" dirty="0" smtClean="0"/>
+              <a:t> </a:t>
+            </a:r>
+            <a:r>
+              <a:rPr lang="en-US" dirty="0" err="1" smtClean="0"/>
+              <a:t>pesquisa</a:t>
             </a:r>
             <a:r>
               <a:rPr lang="en-US" dirty="0" smtClean="0"/>
@@ -7371,12 +7367,13 @@
             </a:r>
             <a:r>
               <a:rPr lang="en-US" dirty="0" err="1" smtClean="0"/>
-              <a:t>qualitativo</a:t>
+              <a:t>qualitativa</a:t>
             </a:r>
             <a:r>
               <a:rPr lang="en-US" dirty="0" smtClean="0"/>
               <a:t>.</a:t>
             </a:r>
+            <a:endParaRPr lang="en-US" dirty="0" smtClean="0"/>
           </a:p>
         </p:txBody>
       </p:sp>
@@ -7530,11 +7527,7 @@
           <a:p>
             <a:r>
               <a:rPr lang="en-US" dirty="0" err="1" smtClean="0"/>
-              <a:t>M</a:t>
-            </a:r>
-            <a:r>
-              <a:rPr lang="en-US" dirty="0" err="1" smtClean="0"/>
-              <a:t>últiplas</a:t>
+              <a:t>Múltiplas</a:t>
             </a:r>
             <a:r>
               <a:rPr lang="en-US" dirty="0" smtClean="0"/>
@@ -8095,11 +8088,15 @@
             </a:r>
             <a:r>
               <a:rPr lang="en-US" dirty="0" err="1" smtClean="0"/>
-              <a:t>avaliador</a:t>
-            </a:r>
-            <a:r>
-              <a:rPr lang="en-US" dirty="0" smtClean="0"/>
-              <a:t> de </a:t>
+              <a:t>avaliados</a:t>
+            </a:r>
+            <a:r>
+              <a:rPr lang="en-US" dirty="0" smtClean="0"/>
+              <a:t> </a:t>
+            </a:r>
+            <a:r>
+              <a:rPr lang="en-US" dirty="0" smtClean="0"/>
+              <a:t>de </a:t>
             </a:r>
             <a:r>
               <a:rPr lang="en-US" dirty="0" err="1" smtClean="0"/>
@@ -8127,11 +8124,7 @@
             </a:r>
             <a:r>
               <a:rPr lang="en-US" dirty="0" err="1" smtClean="0"/>
-              <a:t>crit</a:t>
-            </a:r>
-            <a:r>
-              <a:rPr lang="en-US" dirty="0" err="1" smtClean="0"/>
-              <a:t>érios</a:t>
+              <a:t>critérios</a:t>
             </a:r>
             <a:r>
               <a:rPr lang="en-US" dirty="0" smtClean="0"/>
@@ -8225,11 +8218,7 @@
             </a:r>
             <a:r>
               <a:rPr lang="en-US" dirty="0" err="1" smtClean="0"/>
-              <a:t>informa</a:t>
-            </a:r>
-            <a:r>
-              <a:rPr lang="en-US" dirty="0" err="1" smtClean="0"/>
-              <a:t>ções</a:t>
+              <a:t>informações</a:t>
             </a:r>
             <a:r>
               <a:rPr lang="en-US" dirty="0" smtClean="0"/>
@@ -8388,11 +8377,7 @@
           <a:p>
             <a:r>
               <a:rPr lang="en-US" dirty="0" err="1" smtClean="0"/>
-              <a:t>Execu</a:t>
-            </a:r>
-            <a:r>
-              <a:rPr lang="en-US" dirty="0" err="1" smtClean="0"/>
-              <a:t>ção</a:t>
+              <a:t>Execução</a:t>
             </a:r>
             <a:r>
               <a:rPr lang="en-US" dirty="0" smtClean="0"/>
@@ -8470,11 +8455,7 @@
             </a:r>
             <a:r>
               <a:rPr lang="en-US" dirty="0" err="1" smtClean="0"/>
-              <a:t>n</a:t>
-            </a:r>
-            <a:r>
-              <a:rPr lang="en-US" dirty="0" err="1" smtClean="0"/>
-              <a:t>ão</a:t>
+              <a:t>não</a:t>
             </a:r>
             <a:r>
               <a:rPr lang="en-US" dirty="0" smtClean="0"/>
@@ -8877,11 +8858,7 @@
             </a:r>
             <a:r>
               <a:rPr lang="en-US" dirty="0" err="1" smtClean="0"/>
-              <a:t>exerc</a:t>
-            </a:r>
-            <a:r>
-              <a:rPr lang="en-US" dirty="0" err="1" smtClean="0"/>
-              <a:t>ício</a:t>
+              <a:t>exercício</a:t>
             </a:r>
             <a:r>
               <a:rPr lang="en-US" dirty="0" smtClean="0"/>
@@ -8975,11 +8952,7 @@
             </a:r>
             <a:r>
               <a:rPr lang="en-US" dirty="0" err="1" smtClean="0"/>
-              <a:t>exerc</a:t>
-            </a:r>
-            <a:r>
-              <a:rPr lang="en-US" dirty="0" err="1" smtClean="0"/>
-              <a:t>ício</a:t>
+              <a:t>exercício</a:t>
             </a:r>
             <a:r>
               <a:rPr lang="en-US" dirty="0" smtClean="0"/>
@@ -9395,11 +9368,7 @@
             </a:r>
             <a:r>
               <a:rPr lang="en-US" dirty="0" err="1" smtClean="0"/>
-              <a:t>question</a:t>
-            </a:r>
-            <a:r>
-              <a:rPr lang="en-US" dirty="0" err="1" smtClean="0"/>
-              <a:t>ários</a:t>
+              <a:t>questionários</a:t>
             </a:r>
             <a:r>
               <a:rPr lang="en-US" dirty="0" smtClean="0"/>
@@ -9779,11 +9748,7 @@
           <a:p>
             <a:r>
               <a:rPr lang="en-US" dirty="0" err="1" smtClean="0"/>
-              <a:t>Motiva</a:t>
-            </a:r>
-            <a:r>
-              <a:rPr lang="en-US" dirty="0" err="1" smtClean="0"/>
-              <a:t>ção</a:t>
+              <a:t>Motivação</a:t>
             </a:r>
             <a:r>
               <a:rPr lang="en-US" dirty="0" smtClean="0"/>
@@ -10061,11 +10026,7 @@
             </a:r>
             <a:r>
               <a:rPr lang="en-US" dirty="0" err="1" smtClean="0"/>
-              <a:t>pr</a:t>
-            </a:r>
-            <a:r>
-              <a:rPr lang="en-US" dirty="0" err="1" smtClean="0"/>
-              <a:t>ática</a:t>
+              <a:t>prática</a:t>
             </a:r>
             <a:r>
               <a:rPr lang="en-US" dirty="0" smtClean="0"/>
@@ -10374,11 +10335,7 @@
           <a:p>
             <a:r>
               <a:rPr lang="en-US" dirty="0" err="1" smtClean="0"/>
-              <a:t>M</a:t>
-            </a:r>
-            <a:r>
-              <a:rPr lang="en-US" dirty="0" err="1" smtClean="0"/>
-              <a:t>étricas</a:t>
+              <a:t>Métricas</a:t>
             </a:r>
             <a:r>
               <a:rPr lang="en-US" dirty="0" smtClean="0"/>
@@ -10409,11 +10366,7 @@
           <a:p>
             <a:r>
               <a:rPr lang="en-US" dirty="0" err="1" smtClean="0"/>
-              <a:t>M</a:t>
-            </a:r>
-            <a:r>
-              <a:rPr lang="en-US" dirty="0" err="1" smtClean="0"/>
-              <a:t>étricas</a:t>
+              <a:t>Métricas</a:t>
             </a:r>
             <a:r>
               <a:rPr lang="en-US" dirty="0" smtClean="0"/>
@@ -10448,11 +10401,7 @@
             </a:r>
             <a:r>
               <a:rPr lang="en-US" dirty="0" err="1" smtClean="0"/>
-              <a:t>ciclom</a:t>
-            </a:r>
-            <a:r>
-              <a:rPr lang="en-US" dirty="0" err="1" smtClean="0"/>
-              <a:t>ática</a:t>
+              <a:t>ciclomática</a:t>
             </a:r>
             <a:endParaRPr lang="en-US" dirty="0" smtClean="0"/>
           </a:p>
@@ -10645,11 +10594,7 @@
           <a:p>
             <a:r>
               <a:rPr lang="en-US" dirty="0" err="1" smtClean="0"/>
-              <a:t>Avalia</a:t>
-            </a:r>
-            <a:r>
-              <a:rPr lang="en-US" dirty="0" err="1" smtClean="0"/>
-              <a:t>ção</a:t>
+              <a:t>Avaliação</a:t>
             </a:r>
             <a:r>
               <a:rPr lang="en-US" dirty="0" smtClean="0"/>
@@ -10722,11 +10667,7 @@
             </a:r>
             <a:r>
               <a:rPr lang="en-US" dirty="0" err="1" smtClean="0"/>
-              <a:t>c</a:t>
-            </a:r>
-            <a:r>
-              <a:rPr lang="en-US" dirty="0" err="1" smtClean="0"/>
-              <a:t>ódigo-fonte</a:t>
+              <a:t>código-fonte</a:t>
             </a:r>
             <a:r>
               <a:rPr lang="en-US" dirty="0" smtClean="0"/>
@@ -10925,7 +10866,6 @@
               <a:rPr lang="en-US" dirty="0"/>
               <a:t>.</a:t>
             </a:r>
-            <a:endParaRPr lang="en-US" dirty="0"/>
           </a:p>
         </p:txBody>
       </p:sp>
@@ -11038,11 +10978,7 @@
           <a:p>
             <a:r>
               <a:rPr lang="en-US" dirty="0" err="1" smtClean="0"/>
-              <a:t>Revis</a:t>
-            </a:r>
-            <a:r>
-              <a:rPr lang="en-US" dirty="0" err="1" smtClean="0"/>
-              <a:t>ão</a:t>
+              <a:t>Revisão</a:t>
             </a:r>
             <a:r>
               <a:rPr lang="en-US" dirty="0" smtClean="0"/>
@@ -11138,11 +11074,7 @@
             </a:r>
             <a:r>
               <a:rPr lang="en-US" dirty="0" err="1" smtClean="0"/>
-              <a:t>poss</a:t>
-            </a:r>
-            <a:r>
-              <a:rPr lang="en-US" dirty="0" err="1" smtClean="0"/>
-              <a:t>íveis</a:t>
+              <a:t>possíveis</a:t>
             </a:r>
             <a:r>
               <a:rPr lang="en-US" dirty="0" smtClean="0"/>
@@ -11269,11 +11201,7 @@
           <a:p>
             <a:r>
               <a:rPr lang="en-US" dirty="0" err="1" smtClean="0"/>
-              <a:t>Tr</a:t>
-            </a:r>
-            <a:r>
-              <a:rPr lang="en-US" dirty="0" err="1" smtClean="0"/>
-              <a:t>ês</a:t>
+              <a:t>Três</a:t>
             </a:r>
             <a:r>
               <a:rPr lang="en-US" dirty="0" smtClean="0"/>
@@ -11670,11 +11598,7 @@
           <a:p>
             <a:r>
               <a:rPr lang="en-US" dirty="0" err="1" smtClean="0"/>
-              <a:t>Execu</a:t>
-            </a:r>
-            <a:r>
-              <a:rPr lang="en-US" dirty="0" err="1" smtClean="0"/>
-              <a:t>ção</a:t>
+              <a:t>Execução</a:t>
             </a:r>
             <a:r>
               <a:rPr lang="en-US" dirty="0" smtClean="0"/>
@@ -11780,11 +11704,7 @@
             </a:r>
             <a:r>
               <a:rPr lang="en-US" dirty="0" err="1" smtClean="0"/>
-              <a:t>n</a:t>
-            </a:r>
-            <a:r>
-              <a:rPr lang="en-US" dirty="0" err="1" smtClean="0"/>
-              <a:t>ão</a:t>
+              <a:t>não</a:t>
             </a:r>
             <a:r>
               <a:rPr lang="en-US" dirty="0" smtClean="0"/>
@@ -12013,17 +11933,12 @@
             </a:r>
             <a:r>
               <a:rPr lang="en-US" dirty="0" err="1" smtClean="0"/>
-              <a:t>dubl</a:t>
-            </a:r>
-            <a:r>
-              <a:rPr lang="en-US" dirty="0" err="1" smtClean="0"/>
-              <a:t>ês</a:t>
+              <a:t>dublês</a:t>
             </a:r>
             <a:r>
               <a:rPr lang="en-US" dirty="0"/>
               <a:t>.</a:t>
             </a:r>
-            <a:endParaRPr lang="en-US" dirty="0"/>
           </a:p>
         </p:txBody>
       </p:sp>
@@ -12150,11 +12065,7 @@
             </a:r>
             <a:r>
               <a:rPr lang="en-US" dirty="0" err="1" smtClean="0"/>
-              <a:t>n</a:t>
-            </a:r>
-            <a:r>
-              <a:rPr lang="en-US" dirty="0" err="1" smtClean="0"/>
-              <a:t>ão</a:t>
+              <a:t>não</a:t>
             </a:r>
             <a:r>
               <a:rPr lang="en-US" dirty="0" smtClean="0"/>
@@ -12386,11 +12297,7 @@
           <a:p>
             <a:r>
               <a:rPr lang="en-US" dirty="0" err="1" smtClean="0"/>
-              <a:t>An</a:t>
-            </a:r>
-            <a:r>
-              <a:rPr lang="en-US" dirty="0" err="1" smtClean="0"/>
-              <a:t>álise</a:t>
+              <a:t>Análise</a:t>
             </a:r>
             <a:r>
               <a:rPr lang="en-US" dirty="0" smtClean="0"/>
@@ -12433,11 +12340,7 @@
             </a:r>
             <a:r>
               <a:rPr lang="en-US" dirty="0" err="1" smtClean="0"/>
-              <a:t>estat</a:t>
-            </a:r>
-            <a:r>
-              <a:rPr lang="en-US" dirty="0" err="1" smtClean="0"/>
-              <a:t>ístico</a:t>
+              <a:t>estatístico</a:t>
             </a:r>
             <a:r>
               <a:rPr lang="en-US" dirty="0" smtClean="0"/>
@@ -12730,11 +12633,7 @@
           <a:p>
             <a:r>
               <a:rPr lang="en-US" dirty="0" err="1" smtClean="0"/>
-              <a:t>M</a:t>
-            </a:r>
-            <a:r>
-              <a:rPr lang="en-US" dirty="0" err="1" smtClean="0"/>
-              <a:t>étricas</a:t>
+              <a:t>Métricas</a:t>
             </a:r>
             <a:r>
               <a:rPr lang="en-US" dirty="0" smtClean="0"/>
@@ -12864,11 +12763,7 @@
           <a:p>
             <a:r>
               <a:rPr lang="en-US" dirty="0" err="1" smtClean="0"/>
-              <a:t>M</a:t>
-            </a:r>
-            <a:r>
-              <a:rPr lang="en-US" dirty="0" err="1" smtClean="0"/>
-              <a:t>étricas</a:t>
+              <a:t>Métricas</a:t>
             </a:r>
             <a:r>
               <a:rPr lang="en-US" dirty="0" smtClean="0"/>
@@ -13017,7 +12912,7 @@
           <a:p>
             <a:r>
               <a:rPr lang="en-US" dirty="0" err="1" smtClean="0"/>
-              <a:t>Sugerido</a:t>
+              <a:t>Popularizado</a:t>
             </a:r>
             <a:r>
               <a:rPr lang="en-US" dirty="0" smtClean="0"/>
@@ -13029,15 +12924,15 @@
             </a:r>
             <a:r>
               <a:rPr lang="en-US" dirty="0" smtClean="0"/>
-              <a:t> Kent Beck [Bec04], a </a:t>
-            </a:r>
-            <a:r>
-              <a:rPr lang="en-US" dirty="0" err="1" smtClean="0"/>
-              <a:t>pr</a:t>
-            </a:r>
-            <a:r>
-              <a:rPr lang="en-US" dirty="0" err="1" smtClean="0"/>
-              <a:t>ática</a:t>
+              <a:t> </a:t>
+            </a:r>
+            <a:r>
+              <a:rPr lang="en-US" dirty="0" smtClean="0"/>
+              <a:t>Kent Beck [Bec04], a </a:t>
+            </a:r>
+            <a:r>
+              <a:rPr lang="en-US" dirty="0" err="1" smtClean="0"/>
+              <a:t>prática</a:t>
             </a:r>
             <a:r>
               <a:rPr lang="en-US" dirty="0" smtClean="0"/>
@@ -13115,7 +13010,6 @@
               <a:rPr lang="en-US" dirty="0" smtClean="0"/>
               <a:t>.</a:t>
             </a:r>
-            <a:endParaRPr lang="en-US" dirty="0" smtClean="0"/>
           </a:p>
           <a:p>
             <a:r>
@@ -13192,11 +13086,7 @@
             </a:r>
             <a:r>
               <a:rPr lang="en-US" dirty="0" err="1" smtClean="0"/>
-              <a:t>fa</a:t>
-            </a:r>
-            <a:r>
-              <a:rPr lang="en-US" dirty="0" err="1" smtClean="0"/>
-              <a:t>ça</a:t>
+              <a:t>faça</a:t>
             </a:r>
             <a:r>
               <a:rPr lang="en-US" dirty="0" smtClean="0"/>
@@ -13371,11 +13261,7 @@
           <a:p>
             <a:r>
               <a:rPr lang="en-US" dirty="0" err="1" smtClean="0"/>
-              <a:t>Rela</a:t>
-            </a:r>
-            <a:r>
-              <a:rPr lang="en-US" dirty="0" err="1" smtClean="0"/>
-              <a:t>ção</a:t>
+              <a:t>Relação</a:t>
             </a:r>
             <a:r>
               <a:rPr lang="en-US" dirty="0" smtClean="0"/>
@@ -13383,11 +13269,7 @@
             </a:r>
             <a:r>
               <a:rPr lang="en-US" dirty="0" err="1" smtClean="0"/>
-              <a:t>Experi</a:t>
-            </a:r>
-            <a:r>
-              <a:rPr lang="en-US" dirty="0" err="1" smtClean="0"/>
-              <a:t>ência</a:t>
+              <a:t>Experiência</a:t>
             </a:r>
             <a:endParaRPr lang="en-US" dirty="0"/>
           </a:p>
@@ -13409,16 +13291,92 @@
           <a:lstStyle/>
           <a:p>
             <a:r>
-              <a:rPr lang="en-US" dirty="0" smtClean="0"/>
-              <a:t>A </a:t>
-            </a:r>
-            <a:r>
-              <a:rPr lang="en-US" dirty="0" err="1" smtClean="0"/>
-              <a:t>experi</a:t>
-            </a:r>
-            <a:r>
-              <a:rPr lang="en-US" dirty="0" err="1" smtClean="0"/>
-              <a:t>ência</a:t>
+              <a:rPr lang="en-US" dirty="0" err="1" smtClean="0"/>
+              <a:t>Ao</a:t>
+            </a:r>
+            <a:r>
+              <a:rPr lang="en-US" dirty="0" smtClean="0"/>
+              <a:t> </a:t>
+            </a:r>
+            <a:r>
+              <a:rPr lang="en-US" dirty="0" err="1" smtClean="0"/>
+              <a:t>separarmos</a:t>
+            </a:r>
+            <a:r>
+              <a:rPr lang="en-US" dirty="0" smtClean="0"/>
+              <a:t> </a:t>
+            </a:r>
+            <a:r>
+              <a:rPr lang="en-US" dirty="0" err="1" smtClean="0"/>
+              <a:t>os</a:t>
+            </a:r>
+            <a:r>
+              <a:rPr lang="en-US" dirty="0" smtClean="0"/>
+              <a:t> </a:t>
+            </a:r>
+            <a:r>
+              <a:rPr lang="en-US" dirty="0" err="1" smtClean="0"/>
+              <a:t>c</a:t>
+            </a:r>
+            <a:r>
+              <a:rPr lang="en-US" dirty="0" err="1" smtClean="0"/>
+              <a:t>ódigos</a:t>
+            </a:r>
+            <a:r>
+              <a:rPr lang="en-US" dirty="0" smtClean="0"/>
+              <a:t> </a:t>
+            </a:r>
+            <a:r>
+              <a:rPr lang="en-US" dirty="0" err="1" smtClean="0"/>
+              <a:t>produzidos</a:t>
+            </a:r>
+            <a:r>
+              <a:rPr lang="en-US" dirty="0" smtClean="0"/>
+              <a:t> de </a:t>
+            </a:r>
+            <a:r>
+              <a:rPr lang="en-US" dirty="0" err="1" smtClean="0"/>
+              <a:t>acordo</a:t>
+            </a:r>
+            <a:r>
+              <a:rPr lang="en-US" dirty="0" smtClean="0"/>
+              <a:t> com a </a:t>
+            </a:r>
+            <a:r>
+              <a:rPr lang="en-US" dirty="0" err="1" smtClean="0"/>
+              <a:t>experiência</a:t>
+            </a:r>
+            <a:r>
+              <a:rPr lang="en-US" dirty="0" smtClean="0"/>
+              <a:t> do </a:t>
+            </a:r>
+            <a:r>
+              <a:rPr lang="en-US" dirty="0" err="1" smtClean="0"/>
+              <a:t>participante</a:t>
+            </a:r>
+            <a:r>
+              <a:rPr lang="en-US" dirty="0" smtClean="0"/>
+              <a:t>, </a:t>
+            </a:r>
+            <a:r>
+              <a:rPr lang="en-US" dirty="0" err="1" smtClean="0"/>
+              <a:t>percemos</a:t>
+            </a:r>
+            <a:r>
+              <a:rPr lang="en-US" dirty="0" smtClean="0"/>
+              <a:t> </a:t>
+            </a:r>
+            <a:r>
+              <a:rPr lang="en-US" dirty="0" err="1" smtClean="0"/>
+              <a:t>que</a:t>
+            </a:r>
+            <a:r>
+              <a:rPr lang="en-US" dirty="0" smtClean="0"/>
+              <a:t> </a:t>
+            </a:r>
+            <a:r>
+              <a:rPr lang="en-US" dirty="0" err="1" smtClean="0"/>
+              <a:t>ela</a:t>
             </a:r>
             <a:r>
               <a:rPr lang="en-US" dirty="0" smtClean="0"/>
@@ -13430,7 +13388,11 @@
             </a:r>
             <a:r>
               <a:rPr lang="en-US" dirty="0" smtClean="0"/>
-              <a:t> fez </a:t>
+              <a:t> </a:t>
+            </a:r>
+            <a:r>
+              <a:rPr lang="en-US" dirty="0" smtClean="0"/>
+              <a:t>fez </a:t>
             </a:r>
             <a:r>
               <a:rPr lang="en-US" dirty="0" err="1" smtClean="0"/>
@@ -13675,11 +13637,7 @@
           <a:p>
             <a:r>
               <a:rPr lang="en-US" dirty="0" err="1" smtClean="0"/>
-              <a:t>Avalia</a:t>
-            </a:r>
-            <a:r>
-              <a:rPr lang="en-US" dirty="0" err="1" smtClean="0"/>
-              <a:t>ção</a:t>
+              <a:t>Avaliação</a:t>
             </a:r>
             <a:r>
               <a:rPr lang="en-US" dirty="0" smtClean="0"/>
@@ -13811,11 +13769,7 @@
           <a:p>
             <a:r>
               <a:rPr lang="en-US" dirty="0" err="1" smtClean="0"/>
-              <a:t>Avalia</a:t>
-            </a:r>
-            <a:r>
-              <a:rPr lang="en-US" dirty="0" err="1" smtClean="0"/>
-              <a:t>ção</a:t>
+              <a:t>Avaliação</a:t>
             </a:r>
             <a:r>
               <a:rPr lang="en-US" dirty="0" smtClean="0"/>
@@ -13941,11 +13895,7 @@
           <a:p>
             <a:r>
               <a:rPr lang="en-US" dirty="0" err="1" smtClean="0"/>
-              <a:t>Discuss</a:t>
-            </a:r>
-            <a:r>
-              <a:rPr lang="en-US" dirty="0" err="1" smtClean="0"/>
-              <a:t>ão</a:t>
+              <a:t>Discussão</a:t>
             </a:r>
             <a:endParaRPr lang="en-US" dirty="0"/>
           </a:p>
@@ -13968,11 +13918,7 @@
           <a:p>
             <a:r>
               <a:rPr lang="en-US" dirty="0" err="1" smtClean="0"/>
-              <a:t>N</a:t>
-            </a:r>
-            <a:r>
-              <a:rPr lang="en-US" dirty="0" err="1" smtClean="0"/>
-              <a:t>ão</a:t>
+              <a:t>Não</a:t>
             </a:r>
             <a:r>
               <a:rPr lang="en-US" dirty="0" smtClean="0"/>
@@ -14191,11 +14137,7 @@
           <a:p>
             <a:r>
               <a:rPr lang="en-US" dirty="0" err="1" smtClean="0"/>
-              <a:t>An</a:t>
-            </a:r>
-            <a:r>
-              <a:rPr lang="en-US" dirty="0" err="1" smtClean="0"/>
-              <a:t>álise</a:t>
+              <a:t>Análise</a:t>
             </a:r>
             <a:r>
               <a:rPr lang="en-US" dirty="0" smtClean="0"/>
@@ -14279,11 +14221,7 @@
             </a:r>
             <a:r>
               <a:rPr lang="en-US" dirty="0" err="1" smtClean="0"/>
-              <a:t>pr</a:t>
-            </a:r>
-            <a:r>
-              <a:rPr lang="en-US" dirty="0" err="1" smtClean="0"/>
-              <a:t>ática</a:t>
+              <a:t>prática</a:t>
             </a:r>
             <a:r>
               <a:rPr lang="en-US" dirty="0" smtClean="0"/>
@@ -14997,11 +14935,7 @@
             </a:r>
             <a:r>
               <a:rPr lang="en-US" dirty="0" err="1" smtClean="0"/>
-              <a:t>n</a:t>
-            </a:r>
-            <a:r>
-              <a:rPr lang="en-US" dirty="0" err="1" smtClean="0"/>
-              <a:t>ão</a:t>
+              <a:t>não</a:t>
             </a:r>
             <a:r>
               <a:rPr lang="en-US" dirty="0" smtClean="0"/>
@@ -15254,11 +15188,7 @@
           <a:p>
             <a:r>
               <a:rPr lang="en-US" dirty="0" err="1" smtClean="0"/>
-              <a:t>Seguran</a:t>
-            </a:r>
-            <a:r>
-              <a:rPr lang="en-US" dirty="0" err="1" smtClean="0"/>
-              <a:t>ça</a:t>
+              <a:t>Segurança</a:t>
             </a:r>
             <a:r>
               <a:rPr lang="en-US" dirty="0" smtClean="0"/>
@@ -15349,11 +15279,7 @@
             </a:r>
             <a:r>
               <a:rPr lang="en-US" dirty="0" err="1" smtClean="0"/>
-              <a:t>pr</a:t>
-            </a:r>
-            <a:r>
-              <a:rPr lang="en-US" dirty="0" err="1" smtClean="0"/>
-              <a:t>ática</a:t>
+              <a:t>prática</a:t>
             </a:r>
             <a:r>
               <a:rPr lang="en-US" dirty="0" smtClean="0"/>
@@ -15638,11 +15564,7 @@
             </a:r>
             <a:r>
               <a:rPr lang="en-US" i="1" dirty="0" err="1" smtClean="0"/>
-              <a:t>beb</a:t>
-            </a:r>
-            <a:r>
-              <a:rPr lang="en-US" i="1" dirty="0" err="1" smtClean="0"/>
-              <a:t>ê</a:t>
+              <a:t>bebê</a:t>
             </a:r>
             <a:r>
               <a:rPr lang="en-US" dirty="0" smtClean="0"/>
@@ -15929,11 +15851,7 @@
           <a:p>
             <a:r>
               <a:rPr lang="en-US" dirty="0" err="1" smtClean="0"/>
-              <a:t>Espa</a:t>
-            </a:r>
-            <a:r>
-              <a:rPr lang="en-US" dirty="0" err="1" smtClean="0"/>
-              <a:t>ço</a:t>
+              <a:t>Espaço</a:t>
             </a:r>
             <a:r>
               <a:rPr lang="en-US" dirty="0" smtClean="0"/>
@@ -15976,11 +15894,7 @@
             </a:r>
             <a:r>
               <a:rPr lang="en-US" dirty="0" err="1" smtClean="0"/>
-              <a:t>s</a:t>
-            </a:r>
-            <a:r>
-              <a:rPr lang="en-US" dirty="0" err="1" smtClean="0"/>
-              <a:t>ão</a:t>
+              <a:t>são</a:t>
             </a:r>
             <a:r>
               <a:rPr lang="en-US" dirty="0" smtClean="0"/>
@@ -16328,11 +16242,7 @@
             </a:r>
             <a:r>
               <a:rPr lang="en-US" dirty="0" err="1" smtClean="0"/>
-              <a:t>pr</a:t>
-            </a:r>
-            <a:r>
-              <a:rPr lang="en-US" dirty="0" err="1" smtClean="0"/>
-              <a:t>ática</a:t>
+              <a:t>prática</a:t>
             </a:r>
             <a:endParaRPr lang="en-US" dirty="0"/>
           </a:p>
@@ -16522,11 +16432,7 @@
             </a:r>
             <a:r>
               <a:rPr lang="en-US" dirty="0" err="1" smtClean="0"/>
-              <a:t>tamb</a:t>
-            </a:r>
-            <a:r>
-              <a:rPr lang="en-US" dirty="0" err="1" smtClean="0"/>
-              <a:t>ém</a:t>
+              <a:t>também</a:t>
             </a:r>
             <a:r>
               <a:rPr lang="en-US" dirty="0" smtClean="0"/>
@@ -16832,11 +16738,7 @@
             </a:r>
             <a:r>
               <a:rPr lang="en-US" dirty="0" err="1" smtClean="0"/>
-              <a:t>r</a:t>
-            </a:r>
-            <a:r>
-              <a:rPr lang="en-US" dirty="0" err="1" smtClean="0"/>
-              <a:t>ápido</a:t>
+              <a:t>rápido</a:t>
             </a:r>
             <a:endParaRPr lang="en-US" dirty="0"/>
           </a:p>
@@ -16883,11 +16785,7 @@
             </a:r>
             <a:r>
               <a:rPr lang="en-US" dirty="0" err="1" smtClean="0"/>
-              <a:t>d</a:t>
-            </a:r>
-            <a:r>
-              <a:rPr lang="en-US" dirty="0" err="1" smtClean="0"/>
-              <a:t>á</a:t>
+              <a:t>dá</a:t>
             </a:r>
             <a:r>
               <a:rPr lang="en-US" dirty="0" smtClean="0"/>
@@ -17116,11 +17014,7 @@
             </a:r>
             <a:r>
               <a:rPr lang="en-US" dirty="0" err="1" smtClean="0"/>
-              <a:t>pr</a:t>
-            </a:r>
-            <a:r>
-              <a:rPr lang="en-US" dirty="0" err="1" smtClean="0"/>
-              <a:t>ática</a:t>
+              <a:t>prática</a:t>
             </a:r>
             <a:r>
               <a:rPr lang="en-US" dirty="0" smtClean="0"/>
@@ -17391,11 +17285,7 @@
           <a:p>
             <a:r>
               <a:rPr lang="en-US" dirty="0" err="1" smtClean="0"/>
-              <a:t>Padr</a:t>
-            </a:r>
-            <a:r>
-              <a:rPr lang="en-US" dirty="0" err="1" smtClean="0"/>
-              <a:t>ões</a:t>
+              <a:t>Padrões</a:t>
             </a:r>
             <a:r>
               <a:rPr lang="en-US" dirty="0" smtClean="0"/>
@@ -17438,11 +17328,7 @@
             </a:r>
             <a:r>
               <a:rPr lang="en-US" dirty="0" err="1" smtClean="0"/>
-              <a:t>padr</a:t>
-            </a:r>
-            <a:r>
-              <a:rPr lang="en-US" dirty="0" err="1" smtClean="0"/>
-              <a:t>ões</a:t>
+              <a:t>padrões</a:t>
             </a:r>
             <a:r>
               <a:rPr lang="en-US" dirty="0" smtClean="0"/>
@@ -17745,11 +17631,7 @@
           <a:p>
             <a:r>
               <a:rPr lang="en-US" dirty="0" err="1" smtClean="0"/>
-              <a:t>Padr</a:t>
-            </a:r>
-            <a:r>
-              <a:rPr lang="en-US" dirty="0" err="1" smtClean="0"/>
-              <a:t>ões</a:t>
+              <a:t>Padrões</a:t>
             </a:r>
             <a:r>
               <a:rPr lang="en-US" dirty="0" smtClean="0"/>
@@ -17812,11 +17694,7 @@
             </a:r>
             <a:r>
               <a:rPr lang="en-US" dirty="0" err="1" smtClean="0"/>
-              <a:t>M</a:t>
-            </a:r>
-            <a:r>
-              <a:rPr lang="en-US" dirty="0" err="1" smtClean="0"/>
-              <a:t>étodo</a:t>
+              <a:t>Método</a:t>
             </a:r>
             <a:r>
               <a:rPr lang="en-US" dirty="0" smtClean="0"/>
@@ -18010,11 +17888,7 @@
             </a:r>
             <a:r>
               <a:rPr lang="en-US" dirty="0" err="1" smtClean="0"/>
-              <a:t>M</a:t>
-            </a:r>
-            <a:r>
-              <a:rPr lang="en-US" dirty="0" err="1" smtClean="0"/>
-              <a:t>étodo</a:t>
+              <a:t>Método</a:t>
             </a:r>
             <a:endParaRPr lang="en-US" dirty="0"/>
           </a:p>
@@ -19938,11 +19812,7 @@
           <a:p>
             <a:r>
               <a:rPr lang="en-US" dirty="0" err="1" smtClean="0"/>
-              <a:t>Padr</a:t>
-            </a:r>
-            <a:r>
-              <a:rPr lang="en-US" dirty="0" err="1" smtClean="0"/>
-              <a:t>ões</a:t>
+              <a:t>Padrões</a:t>
             </a:r>
             <a:r>
               <a:rPr lang="en-US" dirty="0" smtClean="0"/>
@@ -19997,11 +19867,7 @@
             </a:r>
             <a:r>
               <a:rPr lang="en-US" dirty="0" err="1" smtClean="0"/>
-              <a:t>Dubl</a:t>
-            </a:r>
-            <a:r>
-              <a:rPr lang="en-US" dirty="0" err="1" smtClean="0"/>
-              <a:t>ê</a:t>
+              <a:t>Dublê</a:t>
             </a:r>
             <a:r>
               <a:rPr lang="en-US" dirty="0" smtClean="0"/>
@@ -20132,11 +19998,7 @@
             </a:r>
             <a:r>
               <a:rPr lang="en-US" dirty="0" err="1" smtClean="0"/>
-              <a:t>Dubl</a:t>
-            </a:r>
-            <a:r>
-              <a:rPr lang="en-US" dirty="0" err="1" smtClean="0"/>
-              <a:t>ê</a:t>
+              <a:t>Dublê</a:t>
             </a:r>
             <a:r>
               <a:rPr lang="en-US" dirty="0" smtClean="0"/>
@@ -20521,7 +20383,6 @@
               <a:rPr lang="en-US" dirty="0"/>
               <a:t>.</a:t>
             </a:r>
-            <a:endParaRPr lang="en-US" dirty="0"/>
           </a:p>
         </p:txBody>
       </p:sp>
@@ -20603,11 +20464,7 @@
             </a:r>
             <a:r>
               <a:rPr lang="en-US" dirty="0" err="1" smtClean="0"/>
-              <a:t>pr</a:t>
-            </a:r>
-            <a:r>
-              <a:rPr lang="en-US" dirty="0" err="1" smtClean="0"/>
-              <a:t>ática</a:t>
+              <a:t>prática</a:t>
             </a:r>
             <a:endParaRPr lang="en-US" dirty="0"/>
           </a:p>
@@ -20630,11 +20487,7 @@
           <a:p>
             <a:r>
               <a:rPr lang="en-US" dirty="0" err="1" smtClean="0"/>
-              <a:t>Question</a:t>
-            </a:r>
-            <a:r>
-              <a:rPr lang="en-US" dirty="0" err="1" smtClean="0"/>
-              <a:t>ários</a:t>
+              <a:t>Questionários</a:t>
             </a:r>
             <a:r>
               <a:rPr lang="en-US" dirty="0" smtClean="0"/>
@@ -20899,11 +20752,7 @@
             </a:r>
             <a:r>
               <a:rPr lang="en-US" dirty="0" err="1" smtClean="0"/>
-              <a:t>Dubl</a:t>
-            </a:r>
-            <a:r>
-              <a:rPr lang="en-US" dirty="0" err="1" smtClean="0"/>
-              <a:t>ê</a:t>
+              <a:t>Dublê</a:t>
             </a:r>
             <a:r>
               <a:rPr lang="en-US" dirty="0" smtClean="0"/>
@@ -21257,11 +21106,19 @@
               <a:t> </a:t>
             </a:r>
             <a:r>
-              <a:rPr lang="en-US" dirty="0" err="1"/>
+              <a:rPr lang="en-US" dirty="0" err="1" smtClean="0"/>
               <a:t>que</a:t>
             </a:r>
             <a:r>
-              <a:rPr lang="en-US" dirty="0"/>
+              <a:rPr lang="en-US" dirty="0" smtClean="0"/>
+              <a:t>, </a:t>
+            </a:r>
+            <a:r>
+              <a:rPr lang="en-US" dirty="0" err="1" smtClean="0"/>
+              <a:t>em</a:t>
+            </a:r>
+            <a:r>
+              <a:rPr lang="en-US" dirty="0" smtClean="0"/>
               <a:t> </a:t>
             </a:r>
             <a:r>
@@ -21540,11 +21397,7 @@
           <a:p>
             <a:r>
               <a:rPr lang="en-US" dirty="0" err="1" smtClean="0"/>
-              <a:t>Padr</a:t>
-            </a:r>
-            <a:r>
-              <a:rPr lang="en-US" dirty="0" err="1" smtClean="0"/>
-              <a:t>ões</a:t>
+              <a:t>Padrões</a:t>
             </a:r>
             <a:r>
               <a:rPr lang="en-US" dirty="0" smtClean="0"/>
@@ -21607,11 +21460,7 @@
             </a:r>
             <a:r>
               <a:rPr lang="en-US" dirty="0" err="1" smtClean="0"/>
-              <a:t>Altera</a:t>
-            </a:r>
-            <a:r>
-              <a:rPr lang="en-US" dirty="0" err="1" smtClean="0"/>
-              <a:t>ção</a:t>
+              <a:t>Alteração</a:t>
             </a:r>
             <a:r>
               <a:rPr lang="en-US" dirty="0" smtClean="0"/>
@@ -22326,7 +22175,6 @@
               <a:rPr lang="en-US" dirty="0"/>
               <a:t>.</a:t>
             </a:r>
-            <a:endParaRPr lang="en-US" dirty="0"/>
           </a:p>
         </p:txBody>
       </p:sp>
@@ -22404,11 +22252,7 @@
             </a:r>
             <a:r>
               <a:rPr lang="en-US" dirty="0" err="1" smtClean="0"/>
-              <a:t>n</a:t>
-            </a:r>
-            <a:r>
-              <a:rPr lang="en-US" dirty="0" err="1" smtClean="0"/>
-              <a:t>ão</a:t>
+              <a:t>não</a:t>
             </a:r>
             <a:r>
               <a:rPr lang="en-US" dirty="0" smtClean="0"/>
@@ -22665,7 +22509,6 @@
               <a:rPr lang="en-US" dirty="0"/>
               <a:t>.</a:t>
             </a:r>
-            <a:endParaRPr lang="en-US" dirty="0"/>
           </a:p>
         </p:txBody>
       </p:sp>
@@ -23140,7 +22983,6 @@
               <a:rPr lang="en-US" dirty="0"/>
               <a:t>.</a:t>
             </a:r>
-            <a:endParaRPr lang="en-US" dirty="0"/>
           </a:p>
         </p:txBody>
       </p:sp>
@@ -23214,11 +23056,7 @@
           <a:p>
             <a:r>
               <a:rPr lang="en-US" dirty="0" err="1" smtClean="0"/>
-              <a:t>Rela</a:t>
-            </a:r>
-            <a:r>
-              <a:rPr lang="en-US" dirty="0" err="1" smtClean="0"/>
-              <a:t>ção</a:t>
+              <a:t>Relação</a:t>
             </a:r>
             <a:r>
               <a:rPr lang="en-US" dirty="0" smtClean="0"/>
@@ -23336,11 +23174,7 @@
           <a:p>
             <a:r>
               <a:rPr lang="en-US" dirty="0" err="1" smtClean="0"/>
-              <a:t>Amea</a:t>
-            </a:r>
-            <a:r>
-              <a:rPr lang="en-US" dirty="0" err="1" smtClean="0"/>
-              <a:t>ças</a:t>
+              <a:t>Ameaças</a:t>
             </a:r>
             <a:r>
               <a:rPr lang="en-US" dirty="0" smtClean="0"/>
@@ -23395,11 +23229,7 @@
             </a:r>
             <a:r>
               <a:rPr lang="en-US" dirty="0" err="1" smtClean="0"/>
-              <a:t>amea</a:t>
-            </a:r>
-            <a:r>
-              <a:rPr lang="en-US" dirty="0" err="1" smtClean="0"/>
-              <a:t>çar</a:t>
+              <a:t>ameaçar</a:t>
             </a:r>
             <a:r>
               <a:rPr lang="en-US" dirty="0" smtClean="0"/>
@@ -23527,11 +23357,7 @@
             </a:r>
             <a:r>
               <a:rPr lang="en-US" dirty="0" err="1" smtClean="0"/>
-              <a:t>Constru</a:t>
-            </a:r>
-            <a:r>
-              <a:rPr lang="en-US" dirty="0" err="1" smtClean="0"/>
-              <a:t>ção</a:t>
+              <a:t>Construção</a:t>
             </a:r>
             <a:endParaRPr lang="en-US" dirty="0"/>
           </a:p>
@@ -23554,11 +23380,7 @@
           <a:p>
             <a:r>
               <a:rPr lang="en-US" dirty="0" err="1" smtClean="0"/>
-              <a:t>Exerc</a:t>
-            </a:r>
-            <a:r>
-              <a:rPr lang="en-US" dirty="0" err="1" smtClean="0"/>
-              <a:t>ícios</a:t>
+              <a:t>Exercícios</a:t>
             </a:r>
             <a:r>
               <a:rPr lang="en-US" dirty="0" smtClean="0"/>
@@ -23855,11 +23677,7 @@
             </a:r>
             <a:r>
               <a:rPr lang="en-US" dirty="0" err="1" smtClean="0"/>
-              <a:t>mem</a:t>
-            </a:r>
-            <a:r>
-              <a:rPr lang="en-US" dirty="0" err="1" smtClean="0"/>
-              <a:t>ória</a:t>
+              <a:t>memória</a:t>
             </a:r>
             <a:r>
               <a:rPr lang="en-US" dirty="0" smtClean="0"/>
@@ -24488,7 +24306,51 @@
             </a:r>
             <a:r>
               <a:rPr lang="en-US" dirty="0"/>
-              <a:t> de </a:t>
+              <a:t> dos </a:t>
+            </a:r>
+            <a:r>
+              <a:rPr lang="en-US" dirty="0" err="1"/>
+              <a:t>participantes</a:t>
+            </a:r>
+            <a:r>
+              <a:rPr lang="en-US" dirty="0"/>
+              <a:t> de responder </a:t>
+            </a:r>
+            <a:r>
+              <a:rPr lang="en-US" dirty="0" err="1"/>
+              <a:t>às</a:t>
+            </a:r>
+            <a:r>
+              <a:rPr lang="en-US" dirty="0"/>
+              <a:t> </a:t>
+            </a:r>
+            <a:r>
+              <a:rPr lang="en-US" dirty="0" err="1" smtClean="0"/>
+              <a:t>quest</a:t>
+            </a:r>
+            <a:r>
+              <a:rPr lang="en-US" dirty="0" err="1" smtClean="0"/>
+              <a:t>õ</a:t>
+            </a:r>
+            <a:r>
+              <a:rPr lang="en-US" dirty="0" err="1" smtClean="0"/>
+              <a:t>es</a:t>
+            </a:r>
+            <a:r>
+              <a:rPr lang="en-US" dirty="0" smtClean="0"/>
+              <a:t> </a:t>
+            </a:r>
+            <a:r>
+              <a:rPr lang="en-US" dirty="0"/>
+              <a:t>de </a:t>
+            </a:r>
+            <a:r>
+              <a:rPr lang="en-US" dirty="0" err="1"/>
+              <a:t>modo</a:t>
+            </a:r>
+            <a:r>
+              <a:rPr lang="en-US" dirty="0"/>
+              <a:t> </a:t>
             </a:r>
             <a:r>
               <a:rPr lang="en-US" dirty="0" err="1"/>
@@ -24500,55 +24362,7 @@
             </a:r>
             <a:r>
               <a:rPr lang="en-US" dirty="0" err="1"/>
-              <a:t>alguns</a:t>
-            </a:r>
-            <a:r>
-              <a:rPr lang="en-US" dirty="0"/>
-              <a:t> </a:t>
-            </a:r>
-            <a:r>
-              <a:rPr lang="en-US" dirty="0" err="1"/>
-              <a:t>participantes</a:t>
-            </a:r>
-            <a:r>
-              <a:rPr lang="en-US" dirty="0"/>
-              <a:t> </a:t>
-            </a:r>
-            <a:r>
-              <a:rPr lang="en-US" dirty="0" err="1"/>
-              <a:t>respondam</a:t>
-            </a:r>
-            <a:r>
-              <a:rPr lang="en-US" dirty="0"/>
-              <a:t> </a:t>
-            </a:r>
-            <a:r>
-              <a:rPr lang="en-US" dirty="0" err="1"/>
-              <a:t>questões</a:t>
-            </a:r>
-            <a:r>
-              <a:rPr lang="en-US" dirty="0"/>
-              <a:t> de </a:t>
-            </a:r>
-            <a:r>
-              <a:rPr lang="en-US" dirty="0" err="1"/>
-              <a:t>modo</a:t>
-            </a:r>
-            <a:r>
-              <a:rPr lang="en-US" dirty="0"/>
-              <a:t> </a:t>
-            </a:r>
-            <a:r>
-              <a:rPr lang="en-US" dirty="0" err="1"/>
-              <a:t>que</a:t>
-            </a:r>
-            <a:r>
-              <a:rPr lang="en-US" dirty="0"/>
-              <a:t> </a:t>
-            </a:r>
-            <a:r>
-              <a:rPr lang="en-US" dirty="0" err="1"/>
-              <a:t>serão</a:t>
+              <a:t>sejam</a:t>
             </a:r>
             <a:r>
               <a:rPr lang="en-US" dirty="0"/>
@@ -24571,12 +24385,16 @@
               <a:t> </a:t>
             </a:r>
             <a:r>
-              <a:rPr lang="en-US" dirty="0" err="1"/>
+              <a:rPr lang="en-US" dirty="0" err="1" smtClean="0"/>
               <a:t>pelos</a:t>
             </a:r>
             <a:r>
-              <a:rPr lang="en-US" dirty="0"/>
-              <a:t> outros </a:t>
+              <a:rPr lang="en-US" dirty="0" smtClean="0"/>
+              <a:t> </a:t>
+            </a:r>
+            <a:r>
+              <a:rPr lang="en-US" dirty="0" smtClean="0"/>
+              <a:t>outros </a:t>
             </a:r>
             <a:r>
               <a:rPr lang="en-US" dirty="0" err="1"/>
@@ -24610,12 +24428,12 @@
               <a:t> </a:t>
             </a:r>
             <a:r>
-              <a:rPr lang="en-US" dirty="0" err="1" smtClean="0"/>
-              <a:t>todo</a:t>
-            </a:r>
-            <a:r>
-              <a:rPr lang="en-US" dirty="0" smtClean="0"/>
-              <a:t> e </a:t>
+              <a:rPr lang="en-US" smtClean="0"/>
+              <a:t>toda </a:t>
+            </a:r>
+            <a:r>
+              <a:rPr lang="en-US" dirty="0" smtClean="0"/>
+              <a:t>e </a:t>
             </a:r>
             <a:r>
               <a:rPr lang="en-US" dirty="0" err="1" smtClean="0"/>
@@ -24627,11 +24445,7 @@
             </a:r>
             <a:r>
               <a:rPr lang="en-US" dirty="0" err="1" smtClean="0"/>
-              <a:t>informa</a:t>
-            </a:r>
-            <a:r>
-              <a:rPr lang="en-US" dirty="0" err="1" smtClean="0"/>
-              <a:t>ção</a:t>
+              <a:t>informação</a:t>
             </a:r>
             <a:r>
               <a:rPr lang="en-US" dirty="0" smtClean="0"/>
@@ -24825,11 +24639,7 @@
           <a:p>
             <a:r>
               <a:rPr lang="en-US" dirty="0" err="1" smtClean="0"/>
-              <a:t>Motiva</a:t>
-            </a:r>
-            <a:r>
-              <a:rPr lang="en-US" dirty="0" err="1" smtClean="0"/>
-              <a:t>ção</a:t>
+              <a:t>Motivação</a:t>
             </a:r>
             <a:endParaRPr lang="en-US" dirty="0"/>
           </a:p>
@@ -24876,11 +24686,7 @@
             </a:r>
             <a:r>
               <a:rPr lang="en-US" dirty="0" err="1" smtClean="0"/>
-              <a:t>pr</a:t>
-            </a:r>
-            <a:r>
-              <a:rPr lang="en-US" dirty="0" err="1" smtClean="0"/>
-              <a:t>ática</a:t>
+              <a:t>prática</a:t>
             </a:r>
             <a:r>
               <a:rPr lang="en-US" dirty="0" smtClean="0"/>
@@ -25319,11 +25125,7 @@
           <a:p>
             <a:r>
               <a:rPr lang="en-US" dirty="0" err="1" smtClean="0"/>
-              <a:t>Li</a:t>
-            </a:r>
-            <a:r>
-              <a:rPr lang="en-US" dirty="0" err="1" smtClean="0"/>
-              <a:t>ções</a:t>
+              <a:t>Lições</a:t>
             </a:r>
             <a:r>
               <a:rPr lang="en-US" dirty="0" smtClean="0"/>
@@ -25372,11 +25174,7 @@
             </a:r>
             <a:r>
               <a:rPr lang="en-US" dirty="0" err="1" smtClean="0"/>
-              <a:t>f</a:t>
-            </a:r>
-            <a:r>
-              <a:rPr lang="en-US" dirty="0" err="1" smtClean="0"/>
-              <a:t>ácil</a:t>
+              <a:t>fácil</a:t>
             </a:r>
             <a:r>
               <a:rPr lang="en-US" dirty="0" smtClean="0"/>
@@ -25534,11 +25332,7 @@
             </a:r>
             <a:r>
               <a:rPr lang="en-US" dirty="0" err="1" smtClean="0"/>
-              <a:t>ind</a:t>
-            </a:r>
-            <a:r>
-              <a:rPr lang="en-US" dirty="0" err="1" smtClean="0"/>
-              <a:t>ústria</a:t>
+              <a:t>indústria</a:t>
             </a:r>
             <a:r>
               <a:rPr lang="en-US" dirty="0" smtClean="0"/>
@@ -25674,7 +25468,6 @@
               <a:rPr lang="en-US" dirty="0" smtClean="0"/>
               <a:t> de tempo.</a:t>
             </a:r>
-            <a:endParaRPr lang="en-US" dirty="0" smtClean="0"/>
           </a:p>
         </p:txBody>
       </p:sp>
@@ -25748,11 +25541,7 @@
           <a:p>
             <a:r>
               <a:rPr lang="en-US" dirty="0" err="1" smtClean="0"/>
-              <a:t>Conclus</a:t>
-            </a:r>
-            <a:r>
-              <a:rPr lang="en-US" dirty="0" err="1" smtClean="0"/>
-              <a:t>ões</a:t>
+              <a:t>Conclusões</a:t>
             </a:r>
             <a:endParaRPr lang="en-US" dirty="0"/>
           </a:p>
@@ -26264,7 +26053,6 @@
               <a:rPr lang="en-US" dirty="0"/>
               <a:t>.</a:t>
             </a:r>
-            <a:endParaRPr lang="en-US" dirty="0"/>
           </a:p>
         </p:txBody>
       </p:sp>
@@ -26393,11 +26181,7 @@
             </a:r>
             <a:r>
               <a:rPr lang="en-US" dirty="0" err="1" smtClean="0"/>
-              <a:t>padr</a:t>
-            </a:r>
-            <a:r>
-              <a:rPr lang="en-US" dirty="0" err="1" smtClean="0"/>
-              <a:t>ões</a:t>
+              <a:t>padrões</a:t>
             </a:r>
             <a:r>
               <a:rPr lang="en-US" dirty="0" smtClean="0"/>
@@ -26615,11 +26399,7 @@
           <a:p>
             <a:r>
               <a:rPr lang="en-US" dirty="0" err="1" smtClean="0"/>
-              <a:t>Produ</a:t>
-            </a:r>
-            <a:r>
-              <a:rPr lang="en-US" dirty="0" err="1" smtClean="0"/>
-              <a:t>ções</a:t>
+              <a:t>Produções</a:t>
             </a:r>
             <a:r>
               <a:rPr lang="en-US" dirty="0" smtClean="0"/>
@@ -26843,11 +26623,7 @@
             </a:r>
             <a:r>
               <a:rPr lang="en-US" dirty="0" err="1" smtClean="0"/>
-              <a:t>evolu</a:t>
-            </a:r>
-            <a:r>
-              <a:rPr lang="en-US" dirty="0" err="1" smtClean="0"/>
-              <a:t>ção</a:t>
+              <a:t>evolução</a:t>
             </a:r>
             <a:r>
               <a:rPr lang="en-US" dirty="0" smtClean="0"/>
@@ -27053,7 +26829,6 @@
               <a:rPr lang="en-US" dirty="0"/>
               <a:t>.</a:t>
             </a:r>
-            <a:endParaRPr lang="en-US" dirty="0"/>
           </a:p>
         </p:txBody>
       </p:sp>
@@ -27558,7 +27333,6 @@
               <a:rPr lang="en-US" dirty="0"/>
               <a:t> de classes.</a:t>
             </a:r>
-            <a:endParaRPr lang="en-US" dirty="0"/>
           </a:p>
         </p:txBody>
       </p:sp>
@@ -27849,11 +27623,7 @@
             </a:r>
             <a:r>
               <a:rPr lang="en-US" dirty="0" err="1" smtClean="0"/>
-              <a:t>qualifica</a:t>
-            </a:r>
-            <a:r>
-              <a:rPr lang="en-US" dirty="0" err="1" smtClean="0"/>
-              <a:t>ção</a:t>
+              <a:t>qualificação</a:t>
             </a:r>
             <a:r>
               <a:rPr lang="en-US" dirty="0" smtClean="0"/>
@@ -28082,11 +27852,7 @@
           <a:p>
             <a:r>
               <a:rPr lang="en-US" dirty="0" err="1" smtClean="0"/>
-              <a:t>N</a:t>
-            </a:r>
-            <a:r>
-              <a:rPr lang="en-US" dirty="0" err="1" smtClean="0"/>
-              <a:t>ão</a:t>
+              <a:t>Não</a:t>
             </a:r>
             <a:r>
               <a:rPr lang="en-US" dirty="0" smtClean="0"/>
@@ -28352,11 +28118,7 @@
           <a:p>
             <a:r>
               <a:rPr lang="en-US" dirty="0" err="1" smtClean="0"/>
-              <a:t>Caracteriza</a:t>
-            </a:r>
-            <a:r>
-              <a:rPr lang="en-US" dirty="0" err="1" smtClean="0"/>
-              <a:t>ção</a:t>
+              <a:t>Caracterização</a:t>
             </a:r>
             <a:r>
               <a:rPr lang="en-US" dirty="0" smtClean="0"/>
@@ -28391,11 +28153,15 @@
             </a:r>
             <a:r>
               <a:rPr lang="en-US" dirty="0" err="1" smtClean="0"/>
-              <a:t>trabalha</a:t>
-            </a:r>
-            <a:r>
-              <a:rPr lang="en-US" dirty="0" smtClean="0"/>
-              <a:t> visa </a:t>
+              <a:t>trabalho</a:t>
+            </a:r>
+            <a:r>
+              <a:rPr lang="en-US" dirty="0" smtClean="0"/>
+              <a:t> </a:t>
+            </a:r>
+            <a:r>
+              <a:rPr lang="en-US" dirty="0" smtClean="0"/>
+              <a:t>visa </a:t>
             </a:r>
             <a:r>
               <a:rPr lang="en-US" dirty="0" err="1" smtClean="0"/>
@@ -28407,11 +28173,7 @@
             </a:r>
             <a:r>
               <a:rPr lang="en-US" dirty="0" err="1" smtClean="0"/>
-              <a:t>influ</a:t>
-            </a:r>
-            <a:r>
-              <a:rPr lang="en-US" dirty="0" err="1" smtClean="0"/>
-              <a:t>ência</a:t>
+              <a:t>influência</a:t>
             </a:r>
             <a:r>
               <a:rPr lang="en-US" dirty="0" smtClean="0"/>
@@ -28876,11 +28638,7 @@
             </a:r>
             <a:r>
               <a:rPr lang="en-US" dirty="0" err="1" smtClean="0"/>
-              <a:t>influ</a:t>
-            </a:r>
-            <a:r>
-              <a:rPr lang="en-US" dirty="0" err="1" smtClean="0"/>
-              <a:t>ência</a:t>
+              <a:t>influência</a:t>
             </a:r>
             <a:r>
               <a:rPr lang="en-US" dirty="0" smtClean="0"/>
@@ -29113,11 +28871,7 @@
           <a:p>
             <a:r>
               <a:rPr lang="en-US" dirty="0" err="1" smtClean="0"/>
-              <a:t>Contribui</a:t>
-            </a:r>
-            <a:r>
-              <a:rPr lang="en-US" dirty="0" err="1" smtClean="0"/>
-              <a:t>ções</a:t>
+              <a:t>Contribuições</a:t>
             </a:r>
             <a:r>
               <a:rPr lang="en-US" dirty="0" smtClean="0"/>
@@ -29148,11 +28902,7 @@
           <a:p>
             <a:r>
               <a:rPr lang="en-US" dirty="0" err="1" smtClean="0"/>
-              <a:t>P</a:t>
-            </a:r>
-            <a:r>
-              <a:rPr lang="en-US" dirty="0" err="1" smtClean="0"/>
-              <a:t>adrões</a:t>
+              <a:t>Padrões</a:t>
             </a:r>
             <a:r>
               <a:rPr lang="en-US" dirty="0" smtClean="0"/>
